--- a/tehtavat/tiedostot/maol/power_point/Racket-maol-9lk-turtle.pptx
+++ b/tehtavat/tiedostot/maol/power_point/Racket-maol-9lk-turtle.pptx
@@ -179,6 +179,10 @@
     </p:ext>
   </p:extLst>
 </p:presentation>
+</file>
+
+<file path=ppt/revisionInfo.xml><?xml version="1.0" encoding="utf-8"?>
+<p1510:revInfo xmlns:a="http://schemas.openxmlformats.org/drawingml/2006/main" xmlns:r="http://schemas.openxmlformats.org/officeDocument/2006/relationships" xmlns:p1510="http://schemas.microsoft.com/office/powerpoint/2015/10/main"/>
 </file>
 
 <file path=ppt/notesMasters/notesMaster1.xml><?xml version="1.0" encoding="utf-8"?>
@@ -11972,9 +11976,101 @@
           </a:p>
         </p:txBody>
       </p:sp>
+      <p:sp>
+        <p:nvSpPr>
+          <p:cNvPr id="24" name="TextBox 23"/>
+          <p:cNvSpPr txBox="1"/>
+          <p:nvPr/>
+        </p:nvSpPr>
+        <p:spPr>
+          <a:xfrm>
+            <a:off x="1499478" y="4619618"/>
+            <a:ext cx="5952841" cy="1138773"/>
+          </a:xfrm>
+          <a:prstGeom prst="rect">
+            <a:avLst/>
+          </a:prstGeom>
+          <a:noFill/>
+        </p:spPr>
+        <p:txBody>
+          <a:bodyPr wrap="square" rtlCol="0">
+            <a:spAutoFit/>
+          </a:bodyPr>
+          <a:lstStyle/>
+          <a:p>
+            <a:r>
+              <a:rPr lang="fi-FI" dirty="0">
+                <a:solidFill>
+                  <a:schemeClr val="tx1"/>
+                </a:solidFill>
+              </a:rPr>
+              <a:t>Koodaa funktiot, joiden avulla voi piirtää</a:t>
+            </a:r>
+          </a:p>
+          <a:p>
+            <a:r>
+              <a:rPr lang="fi-FI" dirty="0">
+                <a:solidFill>
+                  <a:schemeClr val="tx1"/>
+                </a:solidFill>
+              </a:rPr>
+              <a:t>minkätahansa kokoisen ympyrälieriön (r, h), ympyräkartion (r, h) tai suorakulmaisen särmiön (a, b, c).</a:t>
+            </a:r>
+          </a:p>
+          <a:p>
+            <a:r>
+              <a:rPr lang="fi-FI" sz="1400" i="1" dirty="0">
+                <a:solidFill>
+                  <a:schemeClr val="tx1"/>
+                </a:solidFill>
+              </a:rPr>
+              <a:t>Vinkki 3: Muista trigonometriset funktiot, Pythagoraan lause ja peilaus.</a:t>
+            </a:r>
+          </a:p>
+        </p:txBody>
+      </p:sp>
+      <p:sp>
+        <p:nvSpPr>
+          <p:cNvPr id="27" name="TextBox 26"/>
+          <p:cNvSpPr txBox="1"/>
+          <p:nvPr/>
+        </p:nvSpPr>
+        <p:spPr>
+          <a:xfrm>
+            <a:off x="6100721" y="1544266"/>
+            <a:ext cx="441146" cy="461665"/>
+          </a:xfrm>
+          <a:prstGeom prst="rect">
+            <a:avLst/>
+          </a:prstGeom>
+          <a:noFill/>
+        </p:spPr>
+        <p:txBody>
+          <a:bodyPr wrap="none" rtlCol="0">
+            <a:spAutoFit/>
+          </a:bodyPr>
+          <a:lstStyle/>
+          <a:p>
+            <a:r>
+              <a:rPr lang="fi-FI" sz="2400" dirty="0">
+                <a:solidFill>
+                  <a:schemeClr val="tx1"/>
+                </a:solidFill>
+              </a:rPr>
+              <a:t>c)</a:t>
+            </a:r>
+          </a:p>
+        </p:txBody>
+      </p:sp>
       <p:pic>
         <p:nvPicPr>
-          <p:cNvPr id="5" name="Picture 4"/>
+          <p:cNvPr id="2" name="Kuva 1">
+            <a:extLst>
+              <a:ext uri="{FF2B5EF4-FFF2-40B4-BE49-F238E27FC236}">
+                <a16:creationId xmlns:a16="http://schemas.microsoft.com/office/drawing/2014/main" id="{4B8B7595-8957-48E0-BD0E-42DBDCF93F10}"/>
+              </a:ext>
+            </a:extLst>
+          </p:cNvPr>
           <p:cNvPicPr>
             <a:picLocks noChangeAspect="1"/>
           </p:cNvPicPr>
@@ -11988,8 +12084,8 @@
         </p:blipFill>
         <p:spPr>
           <a:xfrm>
-            <a:off x="1773336" y="1772735"/>
-            <a:ext cx="1459607" cy="1904610"/>
+            <a:off x="6627679" y="1890547"/>
+            <a:ext cx="1638145" cy="1550671"/>
           </a:xfrm>
           <a:prstGeom prst="rect">
             <a:avLst/>
@@ -11998,7 +12094,13 @@
       </p:pic>
       <p:pic>
         <p:nvPicPr>
-          <p:cNvPr id="8" name="Picture 7"/>
+          <p:cNvPr id="7" name="Kuva 6">
+            <a:extLst>
+              <a:ext uri="{FF2B5EF4-FFF2-40B4-BE49-F238E27FC236}">
+                <a16:creationId xmlns:a16="http://schemas.microsoft.com/office/drawing/2014/main" id="{EDE0436C-634E-4492-9EED-3A3173F23D4A}"/>
+              </a:ext>
+            </a:extLst>
+          </p:cNvPr>
           <p:cNvPicPr>
             <a:picLocks noChangeAspect="1"/>
           </p:cNvPicPr>
@@ -12012,103 +12114,23 @@
         </p:blipFill>
         <p:spPr>
           <a:xfrm>
-            <a:off x="3983970" y="1653268"/>
-            <a:ext cx="2133600" cy="1762125"/>
+            <a:off x="3964881" y="1786488"/>
+            <a:ext cx="1814975" cy="1731441"/>
           </a:xfrm>
           <a:prstGeom prst="rect">
             <a:avLst/>
           </a:prstGeom>
         </p:spPr>
       </p:pic>
-      <p:sp>
-        <p:nvSpPr>
-          <p:cNvPr id="24" name="TextBox 23"/>
-          <p:cNvSpPr txBox="1"/>
-          <p:nvPr/>
-        </p:nvSpPr>
-        <p:spPr>
-          <a:xfrm>
-            <a:off x="1499478" y="4619618"/>
-            <a:ext cx="5952841" cy="1138773"/>
-          </a:xfrm>
-          <a:prstGeom prst="rect">
-            <a:avLst/>
-          </a:prstGeom>
-          <a:noFill/>
-        </p:spPr>
-        <p:txBody>
-          <a:bodyPr wrap="square" rtlCol="0">
-            <a:spAutoFit/>
-          </a:bodyPr>
-          <a:lstStyle/>
-          <a:p>
-            <a:r>
-              <a:rPr lang="fi-FI" dirty="0">
-                <a:solidFill>
-                  <a:schemeClr val="tx1"/>
-                </a:solidFill>
-              </a:rPr>
-              <a:t>Koodaa funktiot, joiden avulla voi piirtää</a:t>
-            </a:r>
-          </a:p>
-          <a:p>
-            <a:r>
-              <a:rPr lang="fi-FI" dirty="0">
-                <a:solidFill>
-                  <a:schemeClr val="tx1"/>
-                </a:solidFill>
-              </a:rPr>
-              <a:t>minkätahansa kokoisen ympyrälieriön (r, h), ympyräkartion (r, h) tai suorakulmaisen särmiön (a, b, c).</a:t>
-            </a:r>
-          </a:p>
-          <a:p>
-            <a:r>
-              <a:rPr lang="fi-FI" sz="1400" i="1" dirty="0">
-                <a:solidFill>
-                  <a:schemeClr val="tx1"/>
-                </a:solidFill>
-              </a:rPr>
-              <a:t>Vinkki 3: Muista trigonometriset funktiot, Pythagoraan lause ja peilaus.</a:t>
-            </a:r>
-          </a:p>
-        </p:txBody>
-      </p:sp>
-      <p:sp>
-        <p:nvSpPr>
-          <p:cNvPr id="27" name="TextBox 26"/>
-          <p:cNvSpPr txBox="1"/>
-          <p:nvPr/>
-        </p:nvSpPr>
-        <p:spPr>
-          <a:xfrm>
-            <a:off x="6100721" y="1544266"/>
-            <a:ext cx="441146" cy="461665"/>
-          </a:xfrm>
-          <a:prstGeom prst="rect">
-            <a:avLst/>
-          </a:prstGeom>
-          <a:noFill/>
-        </p:spPr>
-        <p:txBody>
-          <a:bodyPr wrap="none" rtlCol="0">
-            <a:spAutoFit/>
-          </a:bodyPr>
-          <a:lstStyle/>
-          <a:p>
-            <a:r>
-              <a:rPr lang="fi-FI" sz="2400" dirty="0">
-                <a:solidFill>
-                  <a:schemeClr val="tx1"/>
-                </a:solidFill>
-              </a:rPr>
-              <a:t>c)</a:t>
-            </a:r>
-          </a:p>
-        </p:txBody>
-      </p:sp>
       <p:pic>
         <p:nvPicPr>
-          <p:cNvPr id="15" name="Picture 14"/>
+          <p:cNvPr id="9" name="Kuva 8">
+            <a:extLst>
+              <a:ext uri="{FF2B5EF4-FFF2-40B4-BE49-F238E27FC236}">
+                <a16:creationId xmlns:a16="http://schemas.microsoft.com/office/drawing/2014/main" id="{430E1999-917E-4C02-BBB1-AE5E91476AB5}"/>
+              </a:ext>
+            </a:extLst>
+          </p:cNvPr>
           <p:cNvPicPr>
             <a:picLocks noChangeAspect="1"/>
           </p:cNvPicPr>
@@ -12122,8 +12144,8 @@
         </p:blipFill>
         <p:spPr>
           <a:xfrm>
-            <a:off x="6497546" y="1906045"/>
-            <a:ext cx="1603822" cy="1516420"/>
+            <a:off x="1886912" y="1972450"/>
+            <a:ext cx="1230146" cy="1599696"/>
           </a:xfrm>
           <a:prstGeom prst="rect">
             <a:avLst/>
